--- a/forpresent/1. Повторение.pptx
+++ b/forpresent/1. Повторение.pptx
@@ -5,7 +5,7 @@
     <p:sldMasterId id="2147483659" r:id="rId1"/>
   </p:sldMasterIdLst>
   <p:notesMasterIdLst>
-    <p:notesMasterId r:id="rId14"/>
+    <p:notesMasterId r:id="rId15"/>
   </p:notesMasterIdLst>
   <p:sldIdLst>
     <p:sldId id="256" r:id="rId2"/>
@@ -17,24 +17,25 @@
     <p:sldId id="258" r:id="rId8"/>
     <p:sldId id="259" r:id="rId9"/>
     <p:sldId id="261" r:id="rId10"/>
-    <p:sldId id="262" r:id="rId11"/>
-    <p:sldId id="272" r:id="rId12"/>
-    <p:sldId id="273" r:id="rId13"/>
+    <p:sldId id="274" r:id="rId11"/>
+    <p:sldId id="262" r:id="rId12"/>
+    <p:sldId id="272" r:id="rId13"/>
+    <p:sldId id="273" r:id="rId14"/>
   </p:sldIdLst>
   <p:sldSz cx="9144000" cy="5143500" type="screen16x9"/>
   <p:notesSz cx="6858000" cy="9144000"/>
   <p:embeddedFontLst>
     <p:embeddedFont>
       <p:font typeface="Amatic SC" panose="020B0604020202020204" charset="-79"/>
-      <p:regular r:id="rId15"/>
-      <p:bold r:id="rId16"/>
+      <p:regular r:id="rId16"/>
+      <p:bold r:id="rId17"/>
     </p:embeddedFont>
     <p:embeddedFont>
       <p:font typeface="Source Code Pro" panose="020B0604020202020204" charset="0"/>
-      <p:regular r:id="rId17"/>
-      <p:bold r:id="rId18"/>
-      <p:italic r:id="rId19"/>
-      <p:boldItalic r:id="rId20"/>
+      <p:regular r:id="rId18"/>
+      <p:bold r:id="rId19"/>
+      <p:italic r:id="rId20"/>
+      <p:boldItalic r:id="rId21"/>
     </p:embeddedFont>
   </p:embeddedFontLst>
   <p:defaultTextStyle>
@@ -7164,6 +7165,156 @@
   <p:cSld>
     <p:spTree>
       <p:nvGrpSpPr>
+        <p:cNvPr id="1" name=""/>
+        <p:cNvGrpSpPr/>
+        <p:nvPr/>
+      </p:nvGrpSpPr>
+      <p:grpSpPr>
+        <a:xfrm>
+          <a:off x="0" y="0"/>
+          <a:ext cx="0" cy="0"/>
+          <a:chOff x="0" y="0"/>
+          <a:chExt cx="0" cy="0"/>
+        </a:xfrm>
+      </p:grpSpPr>
+      <p:sp>
+        <p:nvSpPr>
+          <p:cNvPr id="2" name="Заголовок 1">
+            <a:extLst>
+              <a:ext uri="{FF2B5EF4-FFF2-40B4-BE49-F238E27FC236}">
+                <a16:creationId xmlns:a16="http://schemas.microsoft.com/office/drawing/2014/main" id="{3E3002EA-15E9-4654-99E4-7F7CA21D3285}"/>
+              </a:ext>
+            </a:extLst>
+          </p:cNvPr>
+          <p:cNvSpPr>
+            <a:spLocks noGrp="1"/>
+          </p:cNvSpPr>
+          <p:nvPr>
+            <p:ph type="title"/>
+          </p:nvPr>
+        </p:nvSpPr>
+        <p:spPr/>
+        <p:txBody>
+          <a:bodyPr/>
+          <a:lstStyle/>
+          <a:p>
+            <a:r>
+              <a:rPr lang="ru-RU" dirty="0"/>
+              <a:t>Попытки </a:t>
+            </a:r>
+          </a:p>
+        </p:txBody>
+      </p:sp>
+      <p:sp>
+        <p:nvSpPr>
+          <p:cNvPr id="3" name="Текст 2">
+            <a:extLst>
+              <a:ext uri="{FF2B5EF4-FFF2-40B4-BE49-F238E27FC236}">
+                <a16:creationId xmlns:a16="http://schemas.microsoft.com/office/drawing/2014/main" id="{1A85DBDA-7C81-4A1A-8B8E-8EC0BD8A2831}"/>
+              </a:ext>
+            </a:extLst>
+          </p:cNvPr>
+          <p:cNvSpPr>
+            <a:spLocks noGrp="1"/>
+          </p:cNvSpPr>
+          <p:nvPr>
+            <p:ph type="body" idx="1"/>
+          </p:nvPr>
+        </p:nvSpPr>
+        <p:spPr/>
+        <p:txBody>
+          <a:bodyPr/>
+          <a:lstStyle/>
+          <a:p>
+            <a:r>
+              <a:rPr lang="en-US" b="1" dirty="0"/>
+              <a:t>VDS – </a:t>
+            </a:r>
+            <a:r>
+              <a:rPr lang="ru-RU" b="1" dirty="0"/>
+              <a:t>Виртуальный выделенный сервер</a:t>
+            </a:r>
+          </a:p>
+        </p:txBody>
+      </p:sp>
+      <p:pic>
+        <p:nvPicPr>
+          <p:cNvPr id="5" name="Рисунок 4">
+            <a:extLst>
+              <a:ext uri="{FF2B5EF4-FFF2-40B4-BE49-F238E27FC236}">
+                <a16:creationId xmlns:a16="http://schemas.microsoft.com/office/drawing/2014/main" id="{D2DC9CBC-6D5D-4943-9070-74D9025A9EA5}"/>
+              </a:ext>
+            </a:extLst>
+          </p:cNvPr>
+          <p:cNvPicPr>
+            <a:picLocks noChangeAspect="1"/>
+          </p:cNvPicPr>
+          <p:nvPr/>
+        </p:nvPicPr>
+        <p:blipFill>
+          <a:blip r:embed="rId2"/>
+          <a:stretch>
+            <a:fillRect/>
+          </a:stretch>
+        </p:blipFill>
+        <p:spPr>
+          <a:xfrm>
+            <a:off x="456694" y="1971885"/>
+            <a:ext cx="3354420" cy="2120727"/>
+          </a:xfrm>
+          <a:prstGeom prst="rect">
+            <a:avLst/>
+          </a:prstGeom>
+        </p:spPr>
+      </p:pic>
+      <p:pic>
+        <p:nvPicPr>
+          <p:cNvPr id="7" name="Рисунок 6">
+            <a:extLst>
+              <a:ext uri="{FF2B5EF4-FFF2-40B4-BE49-F238E27FC236}">
+                <a16:creationId xmlns:a16="http://schemas.microsoft.com/office/drawing/2014/main" id="{5309BC75-DF57-49D9-890F-151D2D9ACF64}"/>
+              </a:ext>
+            </a:extLst>
+          </p:cNvPr>
+          <p:cNvPicPr>
+            <a:picLocks noChangeAspect="1"/>
+          </p:cNvPicPr>
+          <p:nvPr/>
+        </p:nvPicPr>
+        <p:blipFill>
+          <a:blip r:embed="rId3"/>
+          <a:stretch>
+            <a:fillRect/>
+          </a:stretch>
+        </p:blipFill>
+        <p:spPr>
+          <a:xfrm>
+            <a:off x="4333610" y="1971885"/>
+            <a:ext cx="3377832" cy="2120727"/>
+          </a:xfrm>
+          <a:prstGeom prst="rect">
+            <a:avLst/>
+          </a:prstGeom>
+        </p:spPr>
+      </p:pic>
+    </p:spTree>
+    <p:extLst>
+      <p:ext uri="{BB962C8B-B14F-4D97-AF65-F5344CB8AC3E}">
+        <p14:creationId xmlns:p14="http://schemas.microsoft.com/office/powerpoint/2010/main" val="4279472018"/>
+      </p:ext>
+    </p:extLst>
+  </p:cSld>
+  <p:clrMapOvr>
+    <a:masterClrMapping/>
+  </p:clrMapOvr>
+</p:sld>
+</file>
+
+<file path=ppt/slides/slide11.xml><?xml version="1.0" encoding="utf-8"?>
+<p:sld xmlns:a="http://schemas.openxmlformats.org/drawingml/2006/main" xmlns:r="http://schemas.openxmlformats.org/officeDocument/2006/relationships" xmlns:p="http://schemas.openxmlformats.org/presentationml/2006/main">
+  <p:cSld>
+    <p:spTree>
+      <p:nvGrpSpPr>
         <p:cNvPr id="1" name="Shape 91"/>
         <p:cNvGrpSpPr/>
         <p:nvPr/>
@@ -7250,7 +7401,7 @@
             </a:pPr>
             <a:r>
               <a:rPr lang="ru-RU" dirty="0"/>
-              <a:t>Размещение базы данных на локальном сервере</a:t>
+              <a:t>Размещение базы данных на хостинге</a:t>
             </a:r>
           </a:p>
           <a:p>
@@ -7325,7 +7476,7 @@
 </p:sld>
 </file>
 
-<file path=ppt/slides/slide11.xml><?xml version="1.0" encoding="utf-8"?>
+<file path=ppt/slides/slide12.xml><?xml version="1.0" encoding="utf-8"?>
 <p:sld xmlns:a="http://schemas.openxmlformats.org/drawingml/2006/main" xmlns:r="http://schemas.openxmlformats.org/officeDocument/2006/relationships" xmlns:p="http://schemas.openxmlformats.org/presentationml/2006/main">
   <p:cSld>
     <p:spTree>
@@ -7424,7 +7575,7 @@
 </p:sld>
 </file>
 
-<file path=ppt/slides/slide12.xml><?xml version="1.0" encoding="utf-8"?>
+<file path=ppt/slides/slide13.xml><?xml version="1.0" encoding="utf-8"?>
 <p:sld xmlns:a="http://schemas.openxmlformats.org/drawingml/2006/main" xmlns:r="http://schemas.openxmlformats.org/officeDocument/2006/relationships" xmlns:p="http://schemas.openxmlformats.org/presentationml/2006/main">
   <p:cSld>
     <p:spTree>
@@ -7584,15 +7735,26 @@
           </a:bodyPr>
           <a:lstStyle/>
           <a:p>
-            <a:pPr marL="0" lvl="0" indent="0">
+            <a:pPr marL="285750" indent="-285750">
               <a:lnSpc>
                 <a:spcPct val="100000"/>
               </a:lnSpc>
-              <a:buNone/>
             </a:pPr>
             <a:r>
               <a:rPr lang="ru-RU" dirty="0"/>
-              <a:t>Программа позволит искать нужные олимпиады по разным </a:t>
+              <a:t>Название</a:t>
+            </a:r>
+            <a:r>
+              <a:rPr lang="en-US" dirty="0"/>
+              <a:t>: </a:t>
+            </a:r>
+            <a:r>
+              <a:rPr lang="ru" dirty="0"/>
+              <a:t>Олимпиадник</a:t>
+            </a:r>
+            <a:r>
+              <a:rPr lang="ru-RU" dirty="0"/>
+              <a:t> </a:t>
             </a:r>
           </a:p>
           <a:p>
@@ -7602,20 +7764,29 @@
               </a:lnSpc>
               <a:buNone/>
             </a:pPr>
+            <a:endParaRPr lang="ru-RU" dirty="0"/>
+          </a:p>
+          <a:p>
+            <a:pPr marL="285750" indent="-285750">
+              <a:lnSpc>
+                <a:spcPct val="100000"/>
+              </a:lnSpc>
+            </a:pPr>
             <a:r>
               <a:rPr lang="ru-RU" dirty="0"/>
-              <a:t>Предметам. Программа поддерживает поиск с фильтрацией,</a:t>
+              <a:t>Цель</a:t>
             </a:r>
-            <a:br>
-              <a:rPr lang="ru-RU" sz="1600" dirty="0"/>
-            </a:br>
+            <a:r>
+              <a:rPr lang="en-US" dirty="0"/>
+              <a:t>: </a:t>
+            </a:r>
             <a:r>
               <a:rPr lang="ru-RU" dirty="0"/>
-              <a:t>с помощью которой, пользователи смогут быстро найти нужную </a:t>
+              <a:t>предоставить возможность искать нужные </a:t>
             </a:r>
           </a:p>
           <a:p>
-            <a:pPr marL="0" lvl="0" indent="0">
+            <a:pPr marL="0" indent="0">
               <a:lnSpc>
                 <a:spcPct val="100000"/>
               </a:lnSpc>
@@ -7623,9 +7794,73 @@
             </a:pPr>
             <a:r>
               <a:rPr lang="ru-RU" dirty="0"/>
-              <a:t>олимпиаду.</a:t>
+              <a:t>олимпиады по разным предметам. </a:t>
             </a:r>
-            <a:endParaRPr sz="1600" dirty="0"/>
+          </a:p>
+          <a:p>
+            <a:pPr marL="0" indent="0">
+              <a:lnSpc>
+                <a:spcPct val="100000"/>
+              </a:lnSpc>
+              <a:buNone/>
+            </a:pPr>
+            <a:endParaRPr lang="ru-RU" sz="1600" dirty="0"/>
+          </a:p>
+          <a:p>
+            <a:pPr marL="285750" indent="-285750">
+              <a:lnSpc>
+                <a:spcPct val="100000"/>
+              </a:lnSpc>
+            </a:pPr>
+            <a:r>
+              <a:rPr lang="ru-RU" sz="1600" dirty="0"/>
+              <a:t>Задачи</a:t>
+            </a:r>
+            <a:r>
+              <a:rPr lang="en-US" sz="1600" dirty="0"/>
+              <a:t>:</a:t>
+            </a:r>
+          </a:p>
+          <a:p>
+            <a:pPr marL="742950" lvl="1" indent="-285750">
+              <a:lnSpc>
+                <a:spcPct val="100000"/>
+              </a:lnSpc>
+            </a:pPr>
+            <a:r>
+              <a:rPr lang="ru-RU" sz="1200" dirty="0"/>
+              <a:t>Удобный интерфейс</a:t>
+            </a:r>
+          </a:p>
+          <a:p>
+            <a:pPr marL="742950" lvl="1" indent="-285750">
+              <a:lnSpc>
+                <a:spcPct val="100000"/>
+              </a:lnSpc>
+            </a:pPr>
+            <a:r>
+              <a:rPr lang="ru-RU" sz="1200" dirty="0"/>
+              <a:t>Фильтрация олимпиад</a:t>
+            </a:r>
+          </a:p>
+          <a:p>
+            <a:pPr marL="742950" lvl="1" indent="-285750">
+              <a:lnSpc>
+                <a:spcPct val="100000"/>
+              </a:lnSpc>
+            </a:pPr>
+            <a:r>
+              <a:rPr lang="ru-RU" sz="1200" dirty="0"/>
+              <a:t>Возможность редактирования, удаления и добавления новых олимпиад</a:t>
+            </a:r>
+          </a:p>
+          <a:p>
+            <a:pPr marL="742950" lvl="1" indent="-285750">
+              <a:lnSpc>
+                <a:spcPct val="100000"/>
+              </a:lnSpc>
+            </a:pPr>
+            <a:endParaRPr sz="1200" dirty="0"/>
           </a:p>
         </p:txBody>
       </p:sp>
@@ -7670,7 +7905,7 @@
                                         <p:tgtEl>
                                           <p:spTgt spid="63">
                                             <p:txEl>
-                                              <p:pRg st="0" end="0"/>
+                                              <p:pRg st="2" end="2"/>
                                             </p:txEl>
                                           </p:spTgt>
                                         </p:tgtEl>
@@ -7719,7 +7954,7 @@
                                         <p:tgtEl>
                                           <p:spTgt spid="63">
                                             <p:txEl>
-                                              <p:pRg st="1" end="1"/>
+                                              <p:pRg st="3" end="3"/>
                                             </p:txEl>
                                           </p:spTgt>
                                         </p:tgtEl>
@@ -7768,7 +8003,203 @@
                                         <p:tgtEl>
                                           <p:spTgt spid="63">
                                             <p:txEl>
-                                              <p:pRg st="2" end="2"/>
+                                              <p:pRg st="5" end="5"/>
+                                            </p:txEl>
+                                          </p:spTgt>
+                                        </p:tgtEl>
+                                        <p:attrNameLst>
+                                          <p:attrName>style.visibility</p:attrName>
+                                        </p:attrNameLst>
+                                      </p:cBhvr>
+                                      <p:to>
+                                        <p:strVal val="visible"/>
+                                      </p:to>
+                                    </p:set>
+                                  </p:childTnLst>
+                                </p:cTn>
+                              </p:par>
+                            </p:childTnLst>
+                          </p:cTn>
+                        </p:par>
+                      </p:childTnLst>
+                    </p:cTn>
+                  </p:par>
+                  <p:par>
+                    <p:cTn id="15" fill="hold">
+                      <p:stCondLst>
+                        <p:cond delay="indefinite"/>
+                      </p:stCondLst>
+                      <p:childTnLst>
+                        <p:par>
+                          <p:cTn id="16" fill="hold">
+                            <p:stCondLst>
+                              <p:cond delay="0"/>
+                            </p:stCondLst>
+                            <p:childTnLst>
+                              <p:par>
+                                <p:cTn id="17" presetID="1" presetClass="entr" presetSubtype="0" fill="hold" nodeType="clickEffect">
+                                  <p:stCondLst>
+                                    <p:cond delay="0"/>
+                                  </p:stCondLst>
+                                  <p:childTnLst>
+                                    <p:set>
+                                      <p:cBhvr>
+                                        <p:cTn id="18" dur="1" fill="hold">
+                                          <p:stCondLst>
+                                            <p:cond delay="0"/>
+                                          </p:stCondLst>
+                                        </p:cTn>
+                                        <p:tgtEl>
+                                          <p:spTgt spid="63">
+                                            <p:txEl>
+                                              <p:pRg st="6" end="6"/>
+                                            </p:txEl>
+                                          </p:spTgt>
+                                        </p:tgtEl>
+                                        <p:attrNameLst>
+                                          <p:attrName>style.visibility</p:attrName>
+                                        </p:attrNameLst>
+                                      </p:cBhvr>
+                                      <p:to>
+                                        <p:strVal val="visible"/>
+                                      </p:to>
+                                    </p:set>
+                                  </p:childTnLst>
+                                </p:cTn>
+                              </p:par>
+                            </p:childTnLst>
+                          </p:cTn>
+                        </p:par>
+                      </p:childTnLst>
+                    </p:cTn>
+                  </p:par>
+                  <p:par>
+                    <p:cTn id="19" fill="hold">
+                      <p:stCondLst>
+                        <p:cond delay="indefinite"/>
+                      </p:stCondLst>
+                      <p:childTnLst>
+                        <p:par>
+                          <p:cTn id="20" fill="hold">
+                            <p:stCondLst>
+                              <p:cond delay="0"/>
+                            </p:stCondLst>
+                            <p:childTnLst>
+                              <p:par>
+                                <p:cTn id="21" presetID="1" presetClass="entr" presetSubtype="0" fill="hold" nodeType="clickEffect">
+                                  <p:stCondLst>
+                                    <p:cond delay="0"/>
+                                  </p:stCondLst>
+                                  <p:childTnLst>
+                                    <p:set>
+                                      <p:cBhvr>
+                                        <p:cTn id="22" dur="1" fill="hold">
+                                          <p:stCondLst>
+                                            <p:cond delay="0"/>
+                                          </p:stCondLst>
+                                        </p:cTn>
+                                        <p:tgtEl>
+                                          <p:spTgt spid="63">
+                                            <p:txEl>
+                                              <p:pRg st="7" end="7"/>
+                                            </p:txEl>
+                                          </p:spTgt>
+                                        </p:tgtEl>
+                                        <p:attrNameLst>
+                                          <p:attrName>style.visibility</p:attrName>
+                                        </p:attrNameLst>
+                                      </p:cBhvr>
+                                      <p:to>
+                                        <p:strVal val="visible"/>
+                                      </p:to>
+                                    </p:set>
+                                  </p:childTnLst>
+                                </p:cTn>
+                              </p:par>
+                            </p:childTnLst>
+                          </p:cTn>
+                        </p:par>
+                      </p:childTnLst>
+                    </p:cTn>
+                  </p:par>
+                  <p:par>
+                    <p:cTn id="23" fill="hold">
+                      <p:stCondLst>
+                        <p:cond delay="indefinite"/>
+                      </p:stCondLst>
+                      <p:childTnLst>
+                        <p:par>
+                          <p:cTn id="24" fill="hold">
+                            <p:stCondLst>
+                              <p:cond delay="0"/>
+                            </p:stCondLst>
+                            <p:childTnLst>
+                              <p:par>
+                                <p:cTn id="25" presetID="1" presetClass="entr" presetSubtype="0" fill="hold" nodeType="clickEffect">
+                                  <p:stCondLst>
+                                    <p:cond delay="0"/>
+                                  </p:stCondLst>
+                                  <p:childTnLst>
+                                    <p:set>
+                                      <p:cBhvr>
+                                        <p:cTn id="26" dur="1" fill="hold">
+                                          <p:stCondLst>
+                                            <p:cond delay="0"/>
+                                          </p:stCondLst>
+                                        </p:cTn>
+                                        <p:tgtEl>
+                                          <p:spTgt spid="63">
+                                            <p:txEl>
+                                              <p:pRg st="8" end="8"/>
+                                            </p:txEl>
+                                          </p:spTgt>
+                                        </p:tgtEl>
+                                        <p:attrNameLst>
+                                          <p:attrName>style.visibility</p:attrName>
+                                        </p:attrNameLst>
+                                      </p:cBhvr>
+                                      <p:to>
+                                        <p:strVal val="visible"/>
+                                      </p:to>
+                                    </p:set>
+                                  </p:childTnLst>
+                                </p:cTn>
+                              </p:par>
+                            </p:childTnLst>
+                          </p:cTn>
+                        </p:par>
+                      </p:childTnLst>
+                    </p:cTn>
+                  </p:par>
+                  <p:par>
+                    <p:cTn id="27" fill="hold">
+                      <p:stCondLst>
+                        <p:cond delay="indefinite"/>
+                      </p:stCondLst>
+                      <p:childTnLst>
+                        <p:par>
+                          <p:cTn id="28" fill="hold">
+                            <p:stCondLst>
+                              <p:cond delay="0"/>
+                            </p:stCondLst>
+                            <p:childTnLst>
+                              <p:par>
+                                <p:cTn id="29" presetID="1" presetClass="entr" presetSubtype="0" fill="hold" nodeType="clickEffect">
+                                  <p:stCondLst>
+                                    <p:cond delay="0"/>
+                                  </p:stCondLst>
+                                  <p:childTnLst>
+                                    <p:set>
+                                      <p:cBhvr>
+                                        <p:cTn id="30" dur="1" fill="hold">
+                                          <p:stCondLst>
+                                            <p:cond delay="0"/>
+                                          </p:stCondLst>
+                                        </p:cTn>
+                                        <p:tgtEl>
+                                          <p:spTgt spid="63">
+                                            <p:txEl>
+                                              <p:pRg st="0" end="0"/>
                                             </p:txEl>
                                           </p:spTgt>
                                         </p:tgtEl>
@@ -8193,16 +8624,15 @@
           </p:cNvPicPr>
           <p:nvPr/>
         </p:nvPicPr>
-        <p:blipFill>
+        <p:blipFill rotWithShape="1">
           <a:blip r:embed="rId2"/>
-          <a:stretch>
-            <a:fillRect/>
-          </a:stretch>
+          <a:srcRect l="-42" t="5234" r="42" b="-1"/>
+          <a:stretch/>
         </p:blipFill>
         <p:spPr>
           <a:xfrm>
-            <a:off x="2218784" y="1415742"/>
-            <a:ext cx="4892796" cy="3301306"/>
+            <a:off x="2218784" y="1414984"/>
+            <a:ext cx="4892796" cy="3128528"/>
           </a:xfrm>
           <a:prstGeom prst="rect">
             <a:avLst/>
@@ -8251,6 +8681,417 @@
               <a:t>Основное меню программы</a:t>
             </a:r>
             <a:endParaRPr sz="1600" dirty="0"/>
+          </a:p>
+        </p:txBody>
+      </p:sp>
+      <p:cxnSp>
+        <p:nvCxnSpPr>
+          <p:cNvPr id="3" name="Прямая со стрелкой 2">
+            <a:extLst>
+              <a:ext uri="{FF2B5EF4-FFF2-40B4-BE49-F238E27FC236}">
+                <a16:creationId xmlns:a16="http://schemas.microsoft.com/office/drawing/2014/main" id="{D937AA9E-59E8-4FC7-8DBF-0EDA901536A5}"/>
+              </a:ext>
+            </a:extLst>
+          </p:cNvPr>
+          <p:cNvCxnSpPr>
+            <a:cxnSpLocks/>
+            <a:stCxn id="8" idx="2"/>
+          </p:cNvCxnSpPr>
+          <p:nvPr/>
+        </p:nvCxnSpPr>
+        <p:spPr>
+          <a:xfrm flipH="1">
+            <a:off x="5806777" y="1106280"/>
+            <a:ext cx="1837730" cy="422170"/>
+          </a:xfrm>
+          <a:prstGeom prst="straightConnector1">
+            <a:avLst/>
+          </a:prstGeom>
+          <a:ln>
+            <a:tailEnd type="triangle"/>
+          </a:ln>
+        </p:spPr>
+        <p:style>
+          <a:lnRef idx="1">
+            <a:schemeClr val="accent1"/>
+          </a:lnRef>
+          <a:fillRef idx="0">
+            <a:schemeClr val="accent1"/>
+          </a:fillRef>
+          <a:effectRef idx="0">
+            <a:schemeClr val="accent1"/>
+          </a:effectRef>
+          <a:fontRef idx="minor">
+            <a:schemeClr val="tx1"/>
+          </a:fontRef>
+        </p:style>
+      </p:cxnSp>
+      <p:sp>
+        <p:nvSpPr>
+          <p:cNvPr id="8" name="TextBox 7">
+            <a:extLst>
+              <a:ext uri="{FF2B5EF4-FFF2-40B4-BE49-F238E27FC236}">
+                <a16:creationId xmlns:a16="http://schemas.microsoft.com/office/drawing/2014/main" id="{7113B132-9DE7-4419-AF3F-32F6FBB17C58}"/>
+              </a:ext>
+            </a:extLst>
+          </p:cNvPr>
+          <p:cNvSpPr txBox="1"/>
+          <p:nvPr/>
+        </p:nvSpPr>
+        <p:spPr>
+          <a:xfrm>
+            <a:off x="6648881" y="844670"/>
+            <a:ext cx="1991251" cy="261610"/>
+          </a:xfrm>
+          <a:prstGeom prst="rect">
+            <a:avLst/>
+          </a:prstGeom>
+          <a:noFill/>
+        </p:spPr>
+        <p:txBody>
+          <a:bodyPr wrap="none" rtlCol="0">
+            <a:spAutoFit/>
+          </a:bodyPr>
+          <a:lstStyle/>
+          <a:p>
+            <a:r>
+              <a:rPr lang="ru-RU" sz="1100" dirty="0">
+                <a:solidFill>
+                  <a:schemeClr val="bg2"/>
+                </a:solidFill>
+              </a:rPr>
+              <a:t>Вход</a:t>
+            </a:r>
+            <a:r>
+              <a:rPr lang="en-US" sz="1100" dirty="0">
+                <a:solidFill>
+                  <a:schemeClr val="bg2"/>
+                </a:solidFill>
+              </a:rPr>
+              <a:t>/</a:t>
+            </a:r>
+            <a:r>
+              <a:rPr lang="ru-RU" sz="1100" dirty="0">
+                <a:solidFill>
+                  <a:schemeClr val="bg2"/>
+                </a:solidFill>
+              </a:rPr>
+              <a:t>Регистрация аккаунта</a:t>
+            </a:r>
+          </a:p>
+        </p:txBody>
+      </p:sp>
+      <p:cxnSp>
+        <p:nvCxnSpPr>
+          <p:cNvPr id="11" name="Прямая со стрелкой 10">
+            <a:extLst>
+              <a:ext uri="{FF2B5EF4-FFF2-40B4-BE49-F238E27FC236}">
+                <a16:creationId xmlns:a16="http://schemas.microsoft.com/office/drawing/2014/main" id="{8D534F9D-1CE2-4E8E-B4BD-88F19713DFBE}"/>
+              </a:ext>
+            </a:extLst>
+          </p:cNvPr>
+          <p:cNvCxnSpPr>
+            <a:cxnSpLocks/>
+          </p:cNvCxnSpPr>
+          <p:nvPr/>
+        </p:nvCxnSpPr>
+        <p:spPr>
+          <a:xfrm>
+            <a:off x="1548473" y="2756549"/>
+            <a:ext cx="867679" cy="327048"/>
+          </a:xfrm>
+          <a:prstGeom prst="straightConnector1">
+            <a:avLst/>
+          </a:prstGeom>
+          <a:ln>
+            <a:tailEnd type="triangle"/>
+          </a:ln>
+        </p:spPr>
+        <p:style>
+          <a:lnRef idx="1">
+            <a:schemeClr val="accent1"/>
+          </a:lnRef>
+          <a:fillRef idx="0">
+            <a:schemeClr val="accent1"/>
+          </a:fillRef>
+          <a:effectRef idx="0">
+            <a:schemeClr val="accent1"/>
+          </a:effectRef>
+          <a:fontRef idx="minor">
+            <a:schemeClr val="tx1"/>
+          </a:fontRef>
+        </p:style>
+      </p:cxnSp>
+      <p:sp>
+        <p:nvSpPr>
+          <p:cNvPr id="13" name="TextBox 12">
+            <a:extLst>
+              <a:ext uri="{FF2B5EF4-FFF2-40B4-BE49-F238E27FC236}">
+                <a16:creationId xmlns:a16="http://schemas.microsoft.com/office/drawing/2014/main" id="{459F6FDA-1DC7-402E-88E1-2B65B3778C40}"/>
+              </a:ext>
+            </a:extLst>
+          </p:cNvPr>
+          <p:cNvSpPr txBox="1"/>
+          <p:nvPr/>
+        </p:nvSpPr>
+        <p:spPr>
+          <a:xfrm>
+            <a:off x="174137" y="2514362"/>
+            <a:ext cx="1694695" cy="261610"/>
+          </a:xfrm>
+          <a:prstGeom prst="rect">
+            <a:avLst/>
+          </a:prstGeom>
+          <a:noFill/>
+        </p:spPr>
+        <p:txBody>
+          <a:bodyPr wrap="none" rtlCol="0">
+            <a:spAutoFit/>
+          </a:bodyPr>
+          <a:lstStyle/>
+          <a:p>
+            <a:r>
+              <a:rPr lang="ru-RU" sz="1100" dirty="0">
+                <a:solidFill>
+                  <a:schemeClr val="bg2"/>
+                </a:solidFill>
+              </a:rPr>
+              <a:t>Применения фильтров</a:t>
+            </a:r>
+          </a:p>
+        </p:txBody>
+      </p:sp>
+      <p:cxnSp>
+        <p:nvCxnSpPr>
+          <p:cNvPr id="15" name="Прямая со стрелкой 14">
+            <a:extLst>
+              <a:ext uri="{FF2B5EF4-FFF2-40B4-BE49-F238E27FC236}">
+                <a16:creationId xmlns:a16="http://schemas.microsoft.com/office/drawing/2014/main" id="{3A74721A-1AD8-4D76-9E1E-21C14DEA4FFB}"/>
+              </a:ext>
+            </a:extLst>
+          </p:cNvPr>
+          <p:cNvCxnSpPr/>
+          <p:nvPr/>
+        </p:nvCxnSpPr>
+        <p:spPr>
+          <a:xfrm>
+            <a:off x="1254797" y="1975638"/>
+            <a:ext cx="1054564" cy="780911"/>
+          </a:xfrm>
+          <a:prstGeom prst="straightConnector1">
+            <a:avLst/>
+          </a:prstGeom>
+          <a:ln>
+            <a:tailEnd type="triangle"/>
+          </a:ln>
+        </p:spPr>
+        <p:style>
+          <a:lnRef idx="1">
+            <a:schemeClr val="accent1"/>
+          </a:lnRef>
+          <a:fillRef idx="0">
+            <a:schemeClr val="accent1"/>
+          </a:fillRef>
+          <a:effectRef idx="0">
+            <a:schemeClr val="accent1"/>
+          </a:effectRef>
+          <a:fontRef idx="minor">
+            <a:schemeClr val="tx1"/>
+          </a:fontRef>
+        </p:style>
+      </p:cxnSp>
+      <p:cxnSp>
+        <p:nvCxnSpPr>
+          <p:cNvPr id="17" name="Прямая со стрелкой 16">
+            <a:extLst>
+              <a:ext uri="{FF2B5EF4-FFF2-40B4-BE49-F238E27FC236}">
+                <a16:creationId xmlns:a16="http://schemas.microsoft.com/office/drawing/2014/main" id="{8560D831-23AB-4AEE-BD4D-17EF57B6445F}"/>
+              </a:ext>
+            </a:extLst>
+          </p:cNvPr>
+          <p:cNvCxnSpPr/>
+          <p:nvPr/>
+        </p:nvCxnSpPr>
+        <p:spPr>
+          <a:xfrm>
+            <a:off x="1641915" y="1608543"/>
+            <a:ext cx="667446" cy="807609"/>
+          </a:xfrm>
+          <a:prstGeom prst="straightConnector1">
+            <a:avLst/>
+          </a:prstGeom>
+          <a:ln>
+            <a:tailEnd type="triangle"/>
+          </a:ln>
+        </p:spPr>
+        <p:style>
+          <a:lnRef idx="1">
+            <a:schemeClr val="accent1"/>
+          </a:lnRef>
+          <a:fillRef idx="0">
+            <a:schemeClr val="accent1"/>
+          </a:fillRef>
+          <a:effectRef idx="0">
+            <a:schemeClr val="accent1"/>
+          </a:effectRef>
+          <a:fontRef idx="minor">
+            <a:schemeClr val="tx1"/>
+          </a:fontRef>
+        </p:style>
+      </p:cxnSp>
+      <p:cxnSp>
+        <p:nvCxnSpPr>
+          <p:cNvPr id="19" name="Прямая со стрелкой 18">
+            <a:extLst>
+              <a:ext uri="{FF2B5EF4-FFF2-40B4-BE49-F238E27FC236}">
+                <a16:creationId xmlns:a16="http://schemas.microsoft.com/office/drawing/2014/main" id="{BF35957F-1A1E-4D73-9E5B-545314745B70}"/>
+              </a:ext>
+            </a:extLst>
+          </p:cNvPr>
+          <p:cNvCxnSpPr/>
+          <p:nvPr/>
+        </p:nvCxnSpPr>
+        <p:spPr>
+          <a:xfrm>
+            <a:off x="1782079" y="975475"/>
+            <a:ext cx="527282" cy="1036872"/>
+          </a:xfrm>
+          <a:prstGeom prst="straightConnector1">
+            <a:avLst/>
+          </a:prstGeom>
+          <a:ln>
+            <a:tailEnd type="triangle"/>
+          </a:ln>
+        </p:spPr>
+        <p:style>
+          <a:lnRef idx="1">
+            <a:schemeClr val="accent1"/>
+          </a:lnRef>
+          <a:fillRef idx="0">
+            <a:schemeClr val="accent1"/>
+          </a:fillRef>
+          <a:effectRef idx="0">
+            <a:schemeClr val="accent1"/>
+          </a:effectRef>
+          <a:fontRef idx="minor">
+            <a:schemeClr val="tx1"/>
+          </a:fontRef>
+        </p:style>
+      </p:cxnSp>
+      <p:sp>
+        <p:nvSpPr>
+          <p:cNvPr id="20" name="TextBox 19">
+            <a:extLst>
+              <a:ext uri="{FF2B5EF4-FFF2-40B4-BE49-F238E27FC236}">
+                <a16:creationId xmlns:a16="http://schemas.microsoft.com/office/drawing/2014/main" id="{DB7951E0-DEBD-4070-AAEE-A8AD02538B70}"/>
+              </a:ext>
+            </a:extLst>
+          </p:cNvPr>
+          <p:cNvSpPr txBox="1"/>
+          <p:nvPr/>
+        </p:nvSpPr>
+        <p:spPr>
+          <a:xfrm>
+            <a:off x="87384" y="1783456"/>
+            <a:ext cx="1649811" cy="261610"/>
+          </a:xfrm>
+          <a:prstGeom prst="rect">
+            <a:avLst/>
+          </a:prstGeom>
+          <a:noFill/>
+        </p:spPr>
+        <p:txBody>
+          <a:bodyPr wrap="none" rtlCol="0">
+            <a:spAutoFit/>
+          </a:bodyPr>
+          <a:lstStyle/>
+          <a:p>
+            <a:r>
+              <a:rPr lang="ru-RU" sz="1100" dirty="0">
+                <a:solidFill>
+                  <a:schemeClr val="bg2"/>
+                </a:solidFill>
+              </a:rPr>
+              <a:t>Фильтрация по классу</a:t>
+            </a:r>
+          </a:p>
+        </p:txBody>
+      </p:sp>
+      <p:sp>
+        <p:nvSpPr>
+          <p:cNvPr id="21" name="TextBox 20">
+            <a:extLst>
+              <a:ext uri="{FF2B5EF4-FFF2-40B4-BE49-F238E27FC236}">
+                <a16:creationId xmlns:a16="http://schemas.microsoft.com/office/drawing/2014/main" id="{D2AC8385-4B4B-436A-8BD5-AE527A065E00}"/>
+              </a:ext>
+            </a:extLst>
+          </p:cNvPr>
+          <p:cNvSpPr txBox="1"/>
+          <p:nvPr/>
+        </p:nvSpPr>
+        <p:spPr>
+          <a:xfrm>
+            <a:off x="87384" y="1348575"/>
+            <a:ext cx="1842171" cy="261610"/>
+          </a:xfrm>
+          <a:prstGeom prst="rect">
+            <a:avLst/>
+          </a:prstGeom>
+          <a:noFill/>
+        </p:spPr>
+        <p:txBody>
+          <a:bodyPr wrap="none" rtlCol="0">
+            <a:spAutoFit/>
+          </a:bodyPr>
+          <a:lstStyle/>
+          <a:p>
+            <a:r>
+              <a:rPr lang="ru-RU" sz="1100" dirty="0">
+                <a:solidFill>
+                  <a:schemeClr val="bg2"/>
+                </a:solidFill>
+              </a:rPr>
+              <a:t>Фильтрация по предмету</a:t>
+            </a:r>
+          </a:p>
+        </p:txBody>
+      </p:sp>
+      <p:sp>
+        <p:nvSpPr>
+          <p:cNvPr id="22" name="TextBox 21">
+            <a:extLst>
+              <a:ext uri="{FF2B5EF4-FFF2-40B4-BE49-F238E27FC236}">
+                <a16:creationId xmlns:a16="http://schemas.microsoft.com/office/drawing/2014/main" id="{AE29F5C4-F67B-4044-81C3-6F66FE522D86}"/>
+              </a:ext>
+            </a:extLst>
+          </p:cNvPr>
+          <p:cNvSpPr txBox="1"/>
+          <p:nvPr/>
+        </p:nvSpPr>
+        <p:spPr>
+          <a:xfrm>
+            <a:off x="133467" y="727213"/>
+            <a:ext cx="2645276" cy="261610"/>
+          </a:xfrm>
+          <a:prstGeom prst="rect">
+            <a:avLst/>
+          </a:prstGeom>
+          <a:noFill/>
+        </p:spPr>
+        <p:txBody>
+          <a:bodyPr wrap="none" rtlCol="0">
+            <a:spAutoFit/>
+          </a:bodyPr>
+          <a:lstStyle/>
+          <a:p>
+            <a:r>
+              <a:rPr lang="ru-RU" sz="1100" dirty="0">
+                <a:solidFill>
+                  <a:schemeClr val="bg2"/>
+                </a:solidFill>
+              </a:rPr>
+              <a:t>Фильтрация по названию олимпиады</a:t>
+            </a:r>
           </a:p>
         </p:txBody>
       </p:sp>
@@ -8451,16 +9292,15 @@
           </p:cNvPicPr>
           <p:nvPr/>
         </p:nvPicPr>
-        <p:blipFill>
+        <p:blipFill rotWithShape="1">
           <a:blip r:embed="rId3"/>
-          <a:stretch>
-            <a:fillRect/>
-          </a:stretch>
+          <a:srcRect l="-260" t="10190" r="260"/>
+          <a:stretch/>
         </p:blipFill>
         <p:spPr>
           <a:xfrm>
-            <a:off x="4648799" y="1597996"/>
-            <a:ext cx="2573043" cy="2461518"/>
+            <a:off x="4648799" y="1575170"/>
+            <a:ext cx="2573043" cy="2210691"/>
           </a:xfrm>
           <a:prstGeom prst="rect">
             <a:avLst/>
@@ -8758,6 +9598,162 @@
               <a:t>Окно входа пользователя</a:t>
             </a:r>
             <a:endParaRPr lang="ru-RU" sz="1600" dirty="0"/>
+          </a:p>
+        </p:txBody>
+      </p:sp>
+      <p:cxnSp>
+        <p:nvCxnSpPr>
+          <p:cNvPr id="3" name="Прямая со стрелкой 2">
+            <a:extLst>
+              <a:ext uri="{FF2B5EF4-FFF2-40B4-BE49-F238E27FC236}">
+                <a16:creationId xmlns:a16="http://schemas.microsoft.com/office/drawing/2014/main" id="{1325E212-2CC1-4C4E-8D58-220F80BA5C38}"/>
+              </a:ext>
+            </a:extLst>
+          </p:cNvPr>
+          <p:cNvCxnSpPr/>
+          <p:nvPr/>
+        </p:nvCxnSpPr>
+        <p:spPr>
+          <a:xfrm flipH="1">
+            <a:off x="6934756" y="2783247"/>
+            <a:ext cx="954447" cy="313699"/>
+          </a:xfrm>
+          <a:prstGeom prst="straightConnector1">
+            <a:avLst/>
+          </a:prstGeom>
+          <a:ln>
+            <a:tailEnd type="triangle"/>
+          </a:ln>
+        </p:spPr>
+        <p:style>
+          <a:lnRef idx="1">
+            <a:schemeClr val="accent1"/>
+          </a:lnRef>
+          <a:fillRef idx="0">
+            <a:schemeClr val="accent1"/>
+          </a:fillRef>
+          <a:effectRef idx="0">
+            <a:schemeClr val="accent1"/>
+          </a:effectRef>
+          <a:fontRef idx="minor">
+            <a:schemeClr val="tx1"/>
+          </a:fontRef>
+        </p:style>
+      </p:cxnSp>
+      <p:sp>
+        <p:nvSpPr>
+          <p:cNvPr id="8" name="TextBox 7">
+            <a:extLst>
+              <a:ext uri="{FF2B5EF4-FFF2-40B4-BE49-F238E27FC236}">
+                <a16:creationId xmlns:a16="http://schemas.microsoft.com/office/drawing/2014/main" id="{2A33BCE9-1602-4F9A-8575-F0C593CEBA9D}"/>
+              </a:ext>
+            </a:extLst>
+          </p:cNvPr>
+          <p:cNvSpPr txBox="1"/>
+          <p:nvPr/>
+        </p:nvSpPr>
+        <p:spPr>
+          <a:xfrm>
+            <a:off x="7310358" y="2562689"/>
+            <a:ext cx="1157689" cy="261610"/>
+          </a:xfrm>
+          <a:prstGeom prst="rect">
+            <a:avLst/>
+          </a:prstGeom>
+          <a:noFill/>
+        </p:spPr>
+        <p:txBody>
+          <a:bodyPr wrap="none" rtlCol="0">
+            <a:spAutoFit/>
+          </a:bodyPr>
+          <a:lstStyle/>
+          <a:p>
+            <a:r>
+              <a:rPr lang="ru-RU" sz="1100" dirty="0">
+                <a:solidFill>
+                  <a:schemeClr val="bg2"/>
+                </a:solidFill>
+              </a:rPr>
+              <a:t>Вход в аккаунт</a:t>
+            </a:r>
+          </a:p>
+        </p:txBody>
+      </p:sp>
+      <p:cxnSp>
+        <p:nvCxnSpPr>
+          <p:cNvPr id="10" name="Прямая со стрелкой 9">
+            <a:extLst>
+              <a:ext uri="{FF2B5EF4-FFF2-40B4-BE49-F238E27FC236}">
+                <a16:creationId xmlns:a16="http://schemas.microsoft.com/office/drawing/2014/main" id="{7E18EA01-ABA9-45CB-AAA1-95B88D6C4908}"/>
+              </a:ext>
+            </a:extLst>
+          </p:cNvPr>
+          <p:cNvCxnSpPr/>
+          <p:nvPr/>
+        </p:nvCxnSpPr>
+        <p:spPr>
+          <a:xfrm flipH="1" flipV="1">
+            <a:off x="6554312" y="3667689"/>
+            <a:ext cx="547306" cy="490495"/>
+          </a:xfrm>
+          <a:prstGeom prst="straightConnector1">
+            <a:avLst/>
+          </a:prstGeom>
+          <a:ln>
+            <a:tailEnd type="triangle"/>
+          </a:ln>
+        </p:spPr>
+        <p:style>
+          <a:lnRef idx="1">
+            <a:schemeClr val="accent1"/>
+          </a:lnRef>
+          <a:fillRef idx="0">
+            <a:schemeClr val="accent1"/>
+          </a:fillRef>
+          <a:effectRef idx="0">
+            <a:schemeClr val="accent1"/>
+          </a:effectRef>
+          <a:fontRef idx="minor">
+            <a:schemeClr val="tx1"/>
+          </a:fontRef>
+        </p:style>
+      </p:cxnSp>
+      <p:sp>
+        <p:nvSpPr>
+          <p:cNvPr id="11" name="TextBox 10">
+            <a:extLst>
+              <a:ext uri="{FF2B5EF4-FFF2-40B4-BE49-F238E27FC236}">
+                <a16:creationId xmlns:a16="http://schemas.microsoft.com/office/drawing/2014/main" id="{D25D1EB5-362D-4BE5-8716-CF7E2D0B7F8E}"/>
+              </a:ext>
+            </a:extLst>
+          </p:cNvPr>
+          <p:cNvSpPr txBox="1"/>
+          <p:nvPr/>
+        </p:nvSpPr>
+        <p:spPr>
+          <a:xfrm>
+            <a:off x="7035593" y="4032376"/>
+            <a:ext cx="1627369" cy="261610"/>
+          </a:xfrm>
+          <a:prstGeom prst="rect">
+            <a:avLst/>
+          </a:prstGeom>
+          <a:noFill/>
+        </p:spPr>
+        <p:txBody>
+          <a:bodyPr wrap="none" rtlCol="0">
+            <a:spAutoFit/>
+          </a:bodyPr>
+          <a:lstStyle/>
+          <a:p>
+            <a:r>
+              <a:rPr lang="ru-RU" sz="1100" dirty="0">
+                <a:solidFill>
+                  <a:schemeClr val="bg2"/>
+                </a:solidFill>
+              </a:rPr>
+              <a:t>Регистрация аккаунта</a:t>
+            </a:r>
           </a:p>
         </p:txBody>
       </p:sp>
@@ -8933,16 +9929,15 @@
           </p:cNvPicPr>
           <p:nvPr/>
         </p:nvPicPr>
-        <p:blipFill>
+        <p:blipFill rotWithShape="1">
           <a:blip r:embed="rId2"/>
-          <a:stretch>
-            <a:fillRect/>
-          </a:stretch>
+          <a:srcRect t="7275"/>
+          <a:stretch/>
         </p:blipFill>
         <p:spPr>
           <a:xfrm>
-            <a:off x="819281" y="1481729"/>
-            <a:ext cx="2848291" cy="2660562"/>
+            <a:off x="819281" y="1601870"/>
+            <a:ext cx="2848291" cy="2467003"/>
           </a:xfrm>
           <a:prstGeom prst="rect">
             <a:avLst/>
@@ -9008,16 +10003,15 @@
           </p:cNvPicPr>
           <p:nvPr/>
         </p:nvPicPr>
-        <p:blipFill>
+        <p:blipFill rotWithShape="1">
           <a:blip r:embed="rId3"/>
-          <a:stretch>
-            <a:fillRect/>
-          </a:stretch>
+          <a:srcRect t="8941"/>
+          <a:stretch/>
         </p:blipFill>
         <p:spPr>
           <a:xfrm>
-            <a:off x="5122682" y="1614701"/>
-            <a:ext cx="2431571" cy="2394617"/>
+            <a:off x="5122682" y="1601870"/>
+            <a:ext cx="2431571" cy="2180518"/>
           </a:xfrm>
           <a:prstGeom prst="rect">
             <a:avLst/>
@@ -9493,8 +10487,8 @@
         </p:nvSpPr>
         <p:spPr>
           <a:xfrm>
-            <a:off x="2768898" y="620769"/>
-            <a:ext cx="3606204" cy="440267"/>
+            <a:off x="2041383" y="687715"/>
+            <a:ext cx="5807774" cy="440267"/>
           </a:xfrm>
           <a:prstGeom prst="rect">
             <a:avLst/>
@@ -9514,7 +10508,15 @@
             </a:pPr>
             <a:r>
               <a:rPr lang="ru-RU" dirty="0"/>
-              <a:t>Окно изменения олимпиад</a:t>
+              <a:t>Окно изменения</a:t>
+            </a:r>
+            <a:r>
+              <a:rPr lang="en-US" dirty="0"/>
+              <a:t>/</a:t>
+            </a:r>
+            <a:r>
+              <a:rPr lang="ru-RU" dirty="0"/>
+              <a:t>добавления олимпиад</a:t>
             </a:r>
             <a:endParaRPr sz="1600" dirty="0"/>
           </a:p>
@@ -9534,22 +10536,115 @@
           </p:cNvPicPr>
           <p:nvPr/>
         </p:nvPicPr>
-        <p:blipFill>
+        <p:blipFill rotWithShape="1">
           <a:blip r:embed="rId3"/>
-          <a:stretch>
-            <a:fillRect/>
-          </a:stretch>
+          <a:srcRect t="5952"/>
+          <a:stretch/>
         </p:blipFill>
         <p:spPr>
           <a:xfrm>
-            <a:off x="3363924" y="1118913"/>
-            <a:ext cx="2416151" cy="3503123"/>
+            <a:off x="3363924" y="1127982"/>
+            <a:ext cx="2416151" cy="3294632"/>
           </a:xfrm>
           <a:prstGeom prst="rect">
             <a:avLst/>
           </a:prstGeom>
         </p:spPr>
       </p:pic>
+      <p:cxnSp>
+        <p:nvCxnSpPr>
+          <p:cNvPr id="3" name="Прямая со стрелкой 2">
+            <a:extLst>
+              <a:ext uri="{FF2B5EF4-FFF2-40B4-BE49-F238E27FC236}">
+                <a16:creationId xmlns:a16="http://schemas.microsoft.com/office/drawing/2014/main" id="{37A309E5-1822-4184-931F-3F7C5425DC20}"/>
+              </a:ext>
+            </a:extLst>
+          </p:cNvPr>
+          <p:cNvCxnSpPr/>
+          <p:nvPr/>
+        </p:nvCxnSpPr>
+        <p:spPr>
+          <a:xfrm flipH="1">
+            <a:off x="5559819" y="3937927"/>
+            <a:ext cx="901051" cy="220257"/>
+          </a:xfrm>
+          <a:prstGeom prst="straightConnector1">
+            <a:avLst/>
+          </a:prstGeom>
+          <a:ln>
+            <a:tailEnd type="triangle"/>
+          </a:ln>
+        </p:spPr>
+        <p:style>
+          <a:lnRef idx="1">
+            <a:schemeClr val="accent1"/>
+          </a:lnRef>
+          <a:fillRef idx="0">
+            <a:schemeClr val="accent1"/>
+          </a:fillRef>
+          <a:effectRef idx="0">
+            <a:schemeClr val="accent1"/>
+          </a:effectRef>
+          <a:fontRef idx="minor">
+            <a:schemeClr val="tx1"/>
+          </a:fontRef>
+        </p:style>
+      </p:cxnSp>
+      <p:sp>
+        <p:nvSpPr>
+          <p:cNvPr id="6" name="TextBox 5">
+            <a:extLst>
+              <a:ext uri="{FF2B5EF4-FFF2-40B4-BE49-F238E27FC236}">
+                <a16:creationId xmlns:a16="http://schemas.microsoft.com/office/drawing/2014/main" id="{E705342C-07DF-4E68-8C9C-6C5643425966}"/>
+              </a:ext>
+            </a:extLst>
+          </p:cNvPr>
+          <p:cNvSpPr txBox="1"/>
+          <p:nvPr/>
+        </p:nvSpPr>
+        <p:spPr>
+          <a:xfrm>
+            <a:off x="6122306" y="3676317"/>
+            <a:ext cx="2246128" cy="261610"/>
+          </a:xfrm>
+          <a:prstGeom prst="rect">
+            <a:avLst/>
+          </a:prstGeom>
+          <a:noFill/>
+        </p:spPr>
+        <p:txBody>
+          <a:bodyPr wrap="none" rtlCol="0">
+            <a:spAutoFit/>
+          </a:bodyPr>
+          <a:lstStyle/>
+          <a:p>
+            <a:r>
+              <a:rPr lang="ru-RU" sz="1100" dirty="0">
+                <a:solidFill>
+                  <a:schemeClr val="bg2"/>
+                </a:solidFill>
+              </a:rPr>
+              <a:t>Изменить</a:t>
+            </a:r>
+            <a:r>
+              <a:rPr lang="en-US" sz="1100" dirty="0">
+                <a:solidFill>
+                  <a:schemeClr val="bg2"/>
+                </a:solidFill>
+              </a:rPr>
+              <a:t>/</a:t>
+            </a:r>
+            <a:r>
+              <a:rPr lang="ru-RU" sz="1100" dirty="0">
+                <a:solidFill>
+                  <a:schemeClr val="bg2"/>
+                </a:solidFill>
+              </a:rPr>
+              <a:t>Добавить олимпиаду</a:t>
+            </a:r>
+          </a:p>
+        </p:txBody>
+      </p:sp>
     </p:spTree>
   </p:cSld>
   <p:clrMapOvr>

--- a/forpresent/1. Повторение.pptx
+++ b/forpresent/1. Повторение.pptx
@@ -7794,7 +7794,7 @@
             </a:pPr>
             <a:r>
               <a:rPr lang="ru-RU" dirty="0"/>
-              <a:t>олимпиады по разным предметам. </a:t>
+              <a:t>олимпиады по разным предметам</a:t>
             </a:r>
           </a:p>
           <a:p>
@@ -8331,16 +8331,17 @@
             </a:r>
             <a:r>
               <a:rPr lang="en-US" dirty="0"/>
-              <a:t> 8 </a:t>
+              <a:t> </a:t>
             </a:r>
             <a:r>
               <a:rPr lang="ru-RU" dirty="0"/>
-              <a:t>форм</a:t>
+              <a:t>9 классов, 1 из них – сборщик всех форм, 8 - формы</a:t>
             </a:r>
             <a:r>
               <a:rPr lang="en-US" dirty="0"/>
               <a:t>:</a:t>
             </a:r>
+            <a:endParaRPr lang="ru-RU" dirty="0"/>
           </a:p>
           <a:p>
             <a:pPr marL="114300" marR="570" indent="0">
@@ -11300,6 +11301,20 @@
             </a:r>
           </a:p>
           <a:p>
+            <a:r>
+              <a:rPr lang="ru-RU" dirty="0"/>
+              <a:t>Изменения </a:t>
+            </a:r>
+            <a:r>
+              <a:rPr lang="en-US" dirty="0"/>
+              <a:t>CSS </a:t>
+            </a:r>
+            <a:r>
+              <a:rPr lang="ru-RU" dirty="0"/>
+              <a:t>стилей элементов</a:t>
+            </a:r>
+          </a:p>
+          <a:p>
             <a:pPr marL="114300" indent="0">
               <a:buNone/>
             </a:pPr>
